--- a/Mid Term Exam/poster - Copy.pptx
+++ b/Mid Term Exam/poster - Copy.pptx
@@ -261,7 +261,7 @@
           <a:p>
             <a:fld id="{8C971B66-CE7A-4E0B-B912-88C4629FB28A}" type="datetimeFigureOut">
               <a:rPr lang="en-PK" smtClean="0"/>
-              <a:t>31/10/2025</a:t>
+              <a:t>01/08/2026</a:t>
             </a:fld>
             <a:endParaRPr lang="en-PK"/>
           </a:p>
@@ -461,7 +461,7 @@
           <a:p>
             <a:fld id="{8C971B66-CE7A-4E0B-B912-88C4629FB28A}" type="datetimeFigureOut">
               <a:rPr lang="en-PK" smtClean="0"/>
-              <a:t>31/10/2025</a:t>
+              <a:t>01/08/2026</a:t>
             </a:fld>
             <a:endParaRPr lang="en-PK"/>
           </a:p>
@@ -671,7 +671,7 @@
           <a:p>
             <a:fld id="{8C971B66-CE7A-4E0B-B912-88C4629FB28A}" type="datetimeFigureOut">
               <a:rPr lang="en-PK" smtClean="0"/>
-              <a:t>31/10/2025</a:t>
+              <a:t>01/08/2026</a:t>
             </a:fld>
             <a:endParaRPr lang="en-PK"/>
           </a:p>
@@ -871,7 +871,7 @@
           <a:p>
             <a:fld id="{8C971B66-CE7A-4E0B-B912-88C4629FB28A}" type="datetimeFigureOut">
               <a:rPr lang="en-PK" smtClean="0"/>
-              <a:t>31/10/2025</a:t>
+              <a:t>01/08/2026</a:t>
             </a:fld>
             <a:endParaRPr lang="en-PK"/>
           </a:p>
@@ -1147,7 +1147,7 @@
           <a:p>
             <a:fld id="{8C971B66-CE7A-4E0B-B912-88C4629FB28A}" type="datetimeFigureOut">
               <a:rPr lang="en-PK" smtClean="0"/>
-              <a:t>31/10/2025</a:t>
+              <a:t>01/08/2026</a:t>
             </a:fld>
             <a:endParaRPr lang="en-PK"/>
           </a:p>
@@ -1415,7 +1415,7 @@
           <a:p>
             <a:fld id="{8C971B66-CE7A-4E0B-B912-88C4629FB28A}" type="datetimeFigureOut">
               <a:rPr lang="en-PK" smtClean="0"/>
-              <a:t>31/10/2025</a:t>
+              <a:t>01/08/2026</a:t>
             </a:fld>
             <a:endParaRPr lang="en-PK"/>
           </a:p>
@@ -1830,7 +1830,7 @@
           <a:p>
             <a:fld id="{8C971B66-CE7A-4E0B-B912-88C4629FB28A}" type="datetimeFigureOut">
               <a:rPr lang="en-PK" smtClean="0"/>
-              <a:t>31/10/2025</a:t>
+              <a:t>01/08/2026</a:t>
             </a:fld>
             <a:endParaRPr lang="en-PK"/>
           </a:p>
@@ -1972,7 +1972,7 @@
           <a:p>
             <a:fld id="{8C971B66-CE7A-4E0B-B912-88C4629FB28A}" type="datetimeFigureOut">
               <a:rPr lang="en-PK" smtClean="0"/>
-              <a:t>31/10/2025</a:t>
+              <a:t>01/08/2026</a:t>
             </a:fld>
             <a:endParaRPr lang="en-PK"/>
           </a:p>
@@ -2085,7 +2085,7 @@
           <a:p>
             <a:fld id="{8C971B66-CE7A-4E0B-B912-88C4629FB28A}" type="datetimeFigureOut">
               <a:rPr lang="en-PK" smtClean="0"/>
-              <a:t>31/10/2025</a:t>
+              <a:t>01/08/2026</a:t>
             </a:fld>
             <a:endParaRPr lang="en-PK"/>
           </a:p>
@@ -2398,7 +2398,7 @@
           <a:p>
             <a:fld id="{8C971B66-CE7A-4E0B-B912-88C4629FB28A}" type="datetimeFigureOut">
               <a:rPr lang="en-PK" smtClean="0"/>
-              <a:t>31/10/2025</a:t>
+              <a:t>01/08/2026</a:t>
             </a:fld>
             <a:endParaRPr lang="en-PK"/>
           </a:p>
@@ -2687,7 +2687,7 @@
           <a:p>
             <a:fld id="{8C971B66-CE7A-4E0B-B912-88C4629FB28A}" type="datetimeFigureOut">
               <a:rPr lang="en-PK" smtClean="0"/>
-              <a:t>31/10/2025</a:t>
+              <a:t>01/08/2026</a:t>
             </a:fld>
             <a:endParaRPr lang="en-PK"/>
           </a:p>
@@ -2930,7 +2930,7 @@
           <a:p>
             <a:fld id="{8C971B66-CE7A-4E0B-B912-88C4629FB28A}" type="datetimeFigureOut">
               <a:rPr lang="en-PK" smtClean="0"/>
-              <a:t>31/10/2025</a:t>
+              <a:t>01/08/2026</a:t>
             </a:fld>
             <a:endParaRPr lang="en-PK"/>
           </a:p>
@@ -3421,7 +3421,7 @@
           </p:nvSpPr>
           <p:spPr>
             <a:xfrm>
-              <a:off x="4085844" y="-32013"/>
+              <a:off x="4229100" y="-28482"/>
               <a:ext cx="3733800" cy="2194559"/>
             </a:xfrm>
             <a:prstGeom prst="flowChartInternalStorage">
